--- a/Presentation.pptx
+++ b/Presentation.pptx
@@ -252,7 +252,7 @@
           <a:p>
             <a:fld id="{B5736D77-E11E-471F-92E6-26E4C045763E}" type="datetimeFigureOut">
               <a:rPr lang="en-US" smtClean="0"/>
-              <a:t>6/5/2016</a:t>
+              <a:t>6/7/2016</a:t>
             </a:fld>
             <a:endParaRPr lang="en-US"/>
           </a:p>
@@ -422,7 +422,7 @@
           <a:p>
             <a:fld id="{B5736D77-E11E-471F-92E6-26E4C045763E}" type="datetimeFigureOut">
               <a:rPr lang="en-US" smtClean="0"/>
-              <a:t>6/5/2016</a:t>
+              <a:t>6/7/2016</a:t>
             </a:fld>
             <a:endParaRPr lang="en-US"/>
           </a:p>
@@ -602,7 +602,7 @@
           <a:p>
             <a:fld id="{B5736D77-E11E-471F-92E6-26E4C045763E}" type="datetimeFigureOut">
               <a:rPr lang="en-US" smtClean="0"/>
-              <a:t>6/5/2016</a:t>
+              <a:t>6/7/2016</a:t>
             </a:fld>
             <a:endParaRPr lang="en-US"/>
           </a:p>
@@ -772,7 +772,7 @@
           <a:p>
             <a:fld id="{B5736D77-E11E-471F-92E6-26E4C045763E}" type="datetimeFigureOut">
               <a:rPr lang="en-US" smtClean="0"/>
-              <a:t>6/5/2016</a:t>
+              <a:t>6/7/2016</a:t>
             </a:fld>
             <a:endParaRPr lang="en-US"/>
           </a:p>
@@ -1018,7 +1018,7 @@
           <a:p>
             <a:fld id="{B5736D77-E11E-471F-92E6-26E4C045763E}" type="datetimeFigureOut">
               <a:rPr lang="en-US" smtClean="0"/>
-              <a:t>6/5/2016</a:t>
+              <a:t>6/7/2016</a:t>
             </a:fld>
             <a:endParaRPr lang="en-US"/>
           </a:p>
@@ -1250,7 +1250,7 @@
           <a:p>
             <a:fld id="{B5736D77-E11E-471F-92E6-26E4C045763E}" type="datetimeFigureOut">
               <a:rPr lang="en-US" smtClean="0"/>
-              <a:t>6/5/2016</a:t>
+              <a:t>6/7/2016</a:t>
             </a:fld>
             <a:endParaRPr lang="en-US"/>
           </a:p>
@@ -1617,7 +1617,7 @@
           <a:p>
             <a:fld id="{B5736D77-E11E-471F-92E6-26E4C045763E}" type="datetimeFigureOut">
               <a:rPr lang="en-US" smtClean="0"/>
-              <a:t>6/5/2016</a:t>
+              <a:t>6/7/2016</a:t>
             </a:fld>
             <a:endParaRPr lang="en-US"/>
           </a:p>
@@ -1735,7 +1735,7 @@
           <a:p>
             <a:fld id="{B5736D77-E11E-471F-92E6-26E4C045763E}" type="datetimeFigureOut">
               <a:rPr lang="en-US" smtClean="0"/>
-              <a:t>6/5/2016</a:t>
+              <a:t>6/7/2016</a:t>
             </a:fld>
             <a:endParaRPr lang="en-US"/>
           </a:p>
@@ -1830,7 +1830,7 @@
           <a:p>
             <a:fld id="{B5736D77-E11E-471F-92E6-26E4C045763E}" type="datetimeFigureOut">
               <a:rPr lang="en-US" smtClean="0"/>
-              <a:t>6/5/2016</a:t>
+              <a:t>6/7/2016</a:t>
             </a:fld>
             <a:endParaRPr lang="en-US"/>
           </a:p>
@@ -2107,7 +2107,7 @@
           <a:p>
             <a:fld id="{B5736D77-E11E-471F-92E6-26E4C045763E}" type="datetimeFigureOut">
               <a:rPr lang="en-US" smtClean="0"/>
-              <a:t>6/5/2016</a:t>
+              <a:t>6/7/2016</a:t>
             </a:fld>
             <a:endParaRPr lang="en-US"/>
           </a:p>
@@ -2360,7 +2360,7 @@
           <a:p>
             <a:fld id="{B5736D77-E11E-471F-92E6-26E4C045763E}" type="datetimeFigureOut">
               <a:rPr lang="en-US" smtClean="0"/>
-              <a:t>6/5/2016</a:t>
+              <a:t>6/7/2016</a:t>
             </a:fld>
             <a:endParaRPr lang="en-US"/>
           </a:p>
@@ -2573,7 +2573,7 @@
           <a:p>
             <a:fld id="{B5736D77-E11E-471F-92E6-26E4C045763E}" type="datetimeFigureOut">
               <a:rPr lang="en-US" smtClean="0"/>
-              <a:t>6/5/2016</a:t>
+              <a:t>6/7/2016</a:t>
             </a:fld>
             <a:endParaRPr lang="en-US"/>
           </a:p>
@@ -3248,7 +3248,6 @@
               <a:rPr lang="en-US" dirty="0"/>
               <a:t>https://github.com/padzikm/NewTechModules</a:t>
             </a:r>
-            <a:endParaRPr lang="en-US" dirty="0"/>
           </a:p>
         </p:txBody>
       </p:sp>
@@ -4017,6 +4016,10 @@
               <a:t> </a:t>
             </a:r>
             <a:r>
+              <a:rPr lang="en-US" smtClean="0"/>
+              <a:t>zdefiniowane </a:t>
+            </a:r>
+            <a:r>
               <a:rPr lang="en-US" dirty="0" err="1" smtClean="0"/>
               <a:t>współdzielone</a:t>
             </a:r>
@@ -4028,26 +4031,10 @@
               <a:rPr lang="en-US" dirty="0" err="1" smtClean="0"/>
               <a:t>moduły</a:t>
             </a:r>
-            <a:r>
-              <a:rPr lang="en-US" dirty="0" smtClean="0"/>
-              <a:t> z </a:t>
-            </a:r>
-            <a:r>
-              <a:rPr lang="en-US" dirty="0" err="1" smtClean="0"/>
-              <a:t>samą</a:t>
-            </a:r>
-            <a:r>
-              <a:rPr lang="en-US" dirty="0" smtClean="0"/>
-              <a:t> </a:t>
-            </a:r>
-            <a:r>
-              <a:rPr lang="en-US" dirty="0" err="1" smtClean="0"/>
-              <a:t>logiką</a:t>
-            </a:r>
             <a:endParaRPr lang="en-US" dirty="0" smtClean="0"/>
           </a:p>
           <a:p>
-            <a:endParaRPr lang="en-US" dirty="0"/>
+            <a:endParaRPr lang="en-US" dirty="0" smtClean="0"/>
           </a:p>
           <a:p>
             <a:r>
@@ -5530,15 +5517,7 @@
             </a:r>
             <a:r>
               <a:rPr lang="en-US" dirty="0" smtClean="0"/>
-              <a:t> </a:t>
-            </a:r>
-            <a:r>
-              <a:rPr lang="en-US" dirty="0" smtClean="0"/>
-              <a:t>i</a:t>
-            </a:r>
-            <a:r>
-              <a:rPr lang="en-US" dirty="0" smtClean="0"/>
-              <a:t> underscore.js w </a:t>
+              <a:t> i underscore.js w </a:t>
             </a:r>
             <a:r>
               <a:rPr lang="en-US" dirty="0" err="1" smtClean="0"/>
